--- a/lectures/CourseAdmin.pptx
+++ b/lectures/CourseAdmin.pptx
@@ -20,9 +20,9 @@
     <p:sldId id="263" r:id="rId11"/>
     <p:sldId id="272" r:id="rId12"/>
     <p:sldId id="269" r:id="rId13"/>
-    <p:sldId id="261" r:id="rId14"/>
-    <p:sldId id="267" r:id="rId15"/>
-    <p:sldId id="268" r:id="rId16"/>
+    <p:sldId id="267" r:id="rId14"/>
+    <p:sldId id="268" r:id="rId15"/>
+    <p:sldId id="261" r:id="rId16"/>
   </p:sldIdLst>
   <p:sldSz cx="12192000" cy="6858000"/>
   <p:notesSz cx="7315200" cy="9601200"/>
@@ -4028,16 +4028,12 @@
           <a:lstStyle/>
           <a:p>
             <a:r>
-              <a:rPr lang="en-US" dirty="0"/>
-              <a:t>EE-</a:t>
-            </a:r>
-            <a:r>
-              <a:rPr lang="en-US" dirty="0" err="1"/>
-              <a:t>uy</a:t>
-            </a:r>
-            <a:r>
-              <a:rPr lang="en-US" dirty="0"/>
-              <a:t> 4563/EL-GY 6143:  Introduction to machine learning</a:t>
+              <a:rPr lang="en-US"/>
+              <a:t>EL-GY </a:t>
+            </a:r>
+            <a:r>
+              <a:rPr lang="en-US" dirty="0"/>
+              <a:t>6143:  Introduction to machine learning</a:t>
             </a:r>
           </a:p>
           <a:p>
@@ -4687,6 +4683,36 @@
           </a:p>
         </p:txBody>
       </p:sp>
+      <p:pic>
+        <p:nvPicPr>
+          <p:cNvPr id="7" name="Picture 6" descr="Graphical user interface, text, application, email&#10;&#10;Description automatically generated">
+            <a:extLst>
+              <a:ext uri="{FF2B5EF4-FFF2-40B4-BE49-F238E27FC236}">
+                <a16:creationId xmlns:a16="http://schemas.microsoft.com/office/drawing/2014/main" id="{D69CB0FC-7AF9-E042-9007-1604E38D4DE6}"/>
+              </a:ext>
+            </a:extLst>
+          </p:cNvPr>
+          <p:cNvPicPr>
+            <a:picLocks noChangeAspect="1"/>
+          </p:cNvPicPr>
+          <p:nvPr/>
+        </p:nvPicPr>
+        <p:blipFill>
+          <a:blip r:embed="rId3"/>
+          <a:stretch>
+            <a:fillRect/>
+          </a:stretch>
+        </p:blipFill>
+        <p:spPr>
+          <a:xfrm>
+            <a:off x="6625440" y="1974999"/>
+            <a:ext cx="4739246" cy="2908002"/>
+          </a:xfrm>
+          <a:prstGeom prst="rect">
+            <a:avLst/>
+          </a:prstGeom>
+        </p:spPr>
+      </p:pic>
     </p:spTree>
     <p:extLst>
       <p:ext uri="{BB962C8B-B14F-4D97-AF65-F5344CB8AC3E}">
@@ -4719,7 +4745,13 @@
       </p:grpSpPr>
       <p:sp>
         <p:nvSpPr>
-          <p:cNvPr id="2" name="Title 1"/>
+          <p:cNvPr id="2" name="Title 1">
+            <a:extLst>
+              <a:ext uri="{FF2B5EF4-FFF2-40B4-BE49-F238E27FC236}">
+                <a16:creationId xmlns:a16="http://schemas.microsoft.com/office/drawing/2014/main" id="{0BF9B829-010C-4D9D-A80E-8413420357A2}"/>
+              </a:ext>
+            </a:extLst>
+          </p:cNvPr>
           <p:cNvSpPr>
             <a:spLocks noGrp="1"/>
           </p:cNvSpPr>
@@ -4733,196 +4765,155 @@
           <a:lstStyle/>
           <a:p>
             <a:r>
+              <a:rPr lang="en-US" dirty="0"/>
+              <a:t>Google Cloud Platform</a:t>
+            </a:r>
+          </a:p>
+        </p:txBody>
+      </p:sp>
+      <p:sp>
+        <p:nvSpPr>
+          <p:cNvPr id="3" name="Content Placeholder 2">
+            <a:extLst>
+              <a:ext uri="{FF2B5EF4-FFF2-40B4-BE49-F238E27FC236}">
+                <a16:creationId xmlns:a16="http://schemas.microsoft.com/office/drawing/2014/main" id="{4F035307-9C98-43AD-8E68-656FFC3D82D7}"/>
+              </a:ext>
+            </a:extLst>
+          </p:cNvPr>
+          <p:cNvSpPr>
+            <a:spLocks noGrp="1"/>
+          </p:cNvSpPr>
+          <p:nvPr>
+            <p:ph idx="1"/>
+          </p:nvPr>
+        </p:nvSpPr>
+        <p:spPr/>
+        <p:txBody>
+          <a:bodyPr>
+            <a:normAutofit lnSpcReduction="10000"/>
+          </a:bodyPr>
+          <a:lstStyle/>
+          <a:p>
+            <a:r>
+              <a:rPr lang="en-US" dirty="0"/>
+              <a:t>All labs in this class can be run on either:</a:t>
+            </a:r>
+          </a:p>
+          <a:p>
+            <a:pPr lvl="1"/>
+            <a:r>
+              <a:rPr lang="en-US" dirty="0"/>
+              <a:t>Your own computer: Windows, MAC </a:t>
+            </a:r>
+          </a:p>
+          <a:p>
+            <a:pPr lvl="1"/>
+            <a:r>
+              <a:rPr lang="en-US" dirty="0"/>
+              <a:t>Google Cloud Platform (GCP)</a:t>
+            </a:r>
+          </a:p>
+          <a:p>
+            <a:r>
+              <a:rPr lang="en-US" dirty="0"/>
+              <a:t>GCP pros and cons:</a:t>
+            </a:r>
+          </a:p>
+          <a:p>
+            <a:pPr lvl="1"/>
+            <a:r>
+              <a:rPr lang="en-US" dirty="0"/>
+              <a:t>Access to powerful machines / large storage for projects.  </a:t>
+            </a:r>
+            <a:br>
+              <a:rPr lang="en-US" dirty="0"/>
+            </a:br>
+            <a:r>
+              <a:rPr lang="en-US" dirty="0"/>
+              <a:t>Includes GPUs</a:t>
+            </a:r>
+          </a:p>
+          <a:p>
+            <a:pPr lvl="1"/>
+            <a:r>
+              <a:rPr lang="en-US" dirty="0"/>
+              <a:t>Access to many services such as </a:t>
+            </a:r>
+            <a:r>
+              <a:rPr lang="en-US" dirty="0" err="1"/>
+              <a:t>BigQuery</a:t>
+            </a:r>
+            <a:endParaRPr lang="en-US" dirty="0"/>
+          </a:p>
+          <a:p>
+            <a:pPr lvl="1"/>
+            <a:r>
+              <a:rPr lang="en-US" dirty="0"/>
+              <a:t>Can scale your computational resources</a:t>
+            </a:r>
+          </a:p>
+          <a:p>
+            <a:pPr lvl="1"/>
+            <a:r>
+              <a:rPr lang="en-US" dirty="0"/>
+              <a:t>But, somewhat harder to sync editors / debuggers</a:t>
+            </a:r>
+          </a:p>
+          <a:p>
+            <a:r>
+              <a:rPr lang="en-US" dirty="0"/>
+              <a:t>Getting started:  </a:t>
+            </a:r>
+            <a:r>
               <a:rPr lang="en-US" dirty="0">
-                <a:solidFill>
-                  <a:schemeClr val="bg1">
-                    <a:lumMod val="75000"/>
-                  </a:schemeClr>
-                </a:solidFill>
+                <a:hlinkClick r:id="rId2"/>
               </a:rPr>
-              <a:t>Grading:  Undergraduate</a:t>
-            </a:r>
-          </a:p>
-        </p:txBody>
-      </p:sp>
-      <p:sp>
-        <p:nvSpPr>
-          <p:cNvPr id="3" name="Content Placeholder 2"/>
-          <p:cNvSpPr>
-            <a:spLocks noGrp="1"/>
-          </p:cNvSpPr>
-          <p:nvPr>
-            <p:ph idx="1"/>
-          </p:nvPr>
-        </p:nvSpPr>
-        <p:spPr/>
-        <p:txBody>
-          <a:bodyPr/>
-          <a:lstStyle/>
-          <a:p>
+              <a:t>https://cloud.google.com/</a:t>
+            </a:r>
+            <a:endParaRPr lang="en-US" dirty="0"/>
+          </a:p>
+          <a:p>
+            <a:r>
+              <a:rPr lang="en-US" dirty="0"/>
+              <a:t>Instructions on </a:t>
+            </a:r>
+            <a:br>
+              <a:rPr lang="en-US" dirty="0"/>
+            </a:br>
             <a:r>
               <a:rPr lang="en-US" dirty="0">
-                <a:solidFill>
-                  <a:schemeClr val="bg1">
-                    <a:lumMod val="75000"/>
-                  </a:schemeClr>
-                </a:solidFill>
+                <a:hlinkClick r:id="rId3"/>
               </a:rPr>
-              <a:t>Midterm 1:  25%, Midterm 2: 25%, Labs, HW: 25%, Final project: 25%</a:t>
-            </a:r>
-          </a:p>
-          <a:p>
-            <a:r>
-              <a:rPr lang="en-US" dirty="0">
-                <a:solidFill>
-                  <a:schemeClr val="bg1">
-                    <a:lumMod val="75000"/>
-                  </a:schemeClr>
-                </a:solidFill>
-              </a:rPr>
-              <a:t>Labs:  Simple python exercises</a:t>
-            </a:r>
-          </a:p>
-          <a:p>
-            <a:pPr lvl="1"/>
-            <a:r>
-              <a:rPr lang="en-US" dirty="0">
-                <a:solidFill>
-                  <a:schemeClr val="bg1">
-                    <a:lumMod val="75000"/>
-                  </a:schemeClr>
-                </a:solidFill>
-              </a:rPr>
-              <a:t>Given as </a:t>
-            </a:r>
-            <a:r>
-              <a:rPr lang="en-US" dirty="0" err="1">
-                <a:solidFill>
-                  <a:schemeClr val="bg1">
-                    <a:lumMod val="75000"/>
-                  </a:schemeClr>
-                </a:solidFill>
-              </a:rPr>
-              <a:t>jupyter</a:t>
-            </a:r>
-            <a:r>
-              <a:rPr lang="en-US" dirty="0">
-                <a:solidFill>
-                  <a:schemeClr val="bg1">
-                    <a:lumMod val="75000"/>
-                  </a:schemeClr>
-                </a:solidFill>
-              </a:rPr>
-              <a:t> notebook that you complete.</a:t>
-            </a:r>
-          </a:p>
-          <a:p>
-            <a:r>
-              <a:rPr lang="en-US" dirty="0">
-                <a:solidFill>
-                  <a:schemeClr val="bg1">
-                    <a:lumMod val="75000"/>
-                  </a:schemeClr>
-                </a:solidFill>
-              </a:rPr>
-              <a:t>Midterms</a:t>
-            </a:r>
-          </a:p>
-          <a:p>
-            <a:pPr lvl="1"/>
-            <a:r>
-              <a:rPr lang="en-US" dirty="0">
-                <a:solidFill>
-                  <a:schemeClr val="bg1">
-                    <a:lumMod val="75000"/>
-                  </a:schemeClr>
-                </a:solidFill>
-              </a:rPr>
-              <a:t>Each over approx. 3-4 weeks of material</a:t>
-            </a:r>
-          </a:p>
-          <a:p>
-            <a:pPr lvl="1"/>
-            <a:r>
-              <a:rPr lang="en-US" dirty="0">
-                <a:solidFill>
-                  <a:schemeClr val="bg1">
-                    <a:lumMod val="75000"/>
-                  </a:schemeClr>
-                </a:solidFill>
-              </a:rPr>
-              <a:t>Closed book with cheat sheet.  </a:t>
-            </a:r>
-          </a:p>
-          <a:p>
-            <a:pPr lvl="1"/>
-            <a:r>
-              <a:rPr lang="en-US" dirty="0">
-                <a:solidFill>
-                  <a:schemeClr val="bg1">
-                    <a:lumMod val="75000"/>
-                  </a:schemeClr>
-                </a:solidFill>
-              </a:rPr>
-              <a:t>Follows homework and quiz problems + some very basic python questions</a:t>
-            </a:r>
-          </a:p>
-          <a:p>
-            <a:r>
-              <a:rPr lang="en-US" dirty="0">
-                <a:solidFill>
-                  <a:schemeClr val="bg1">
-                    <a:lumMod val="75000"/>
-                  </a:schemeClr>
-                </a:solidFill>
-              </a:rPr>
-              <a:t>Final project:  </a:t>
-            </a:r>
-          </a:p>
-          <a:p>
-            <a:pPr lvl="1"/>
-            <a:r>
-              <a:rPr lang="en-US" dirty="0">
-                <a:solidFill>
-                  <a:schemeClr val="bg1">
-                    <a:lumMod val="75000"/>
-                  </a:schemeClr>
-                </a:solidFill>
-              </a:rPr>
-              <a:t>Use machine learning in some interesting way.</a:t>
-            </a:r>
-          </a:p>
-          <a:p>
-            <a:pPr lvl="1"/>
-            <a:r>
-              <a:rPr lang="en-US" dirty="0">
-                <a:solidFill>
-                  <a:schemeClr val="bg1">
-                    <a:lumMod val="75000"/>
-                  </a:schemeClr>
-                </a:solidFill>
-              </a:rPr>
-              <a:t>Must use data and python analysis.</a:t>
-            </a:r>
-          </a:p>
-          <a:p>
-            <a:pPr lvl="1"/>
-            <a:r>
-              <a:rPr lang="en-US" dirty="0">
-                <a:solidFill>
-                  <a:schemeClr val="bg1">
-                    <a:lumMod val="75000"/>
-                  </a:schemeClr>
-                </a:solidFill>
-              </a:rPr>
-              <a:t>Provide final report.</a:t>
-            </a:r>
-          </a:p>
-        </p:txBody>
-      </p:sp>
-      <p:sp>
-        <p:nvSpPr>
-          <p:cNvPr id="4" name="Slide Number Placeholder 3"/>
+              <a:t>https://github.com/pliugithub/MachineLearning/tree/master/GCP</a:t>
+            </a:r>
+            <a:br>
+              <a:rPr lang="en-US" dirty="0"/>
+            </a:br>
+            <a:endParaRPr lang="en-US" dirty="0"/>
+          </a:p>
+          <a:p>
+            <a:endParaRPr lang="en-US" dirty="0"/>
+          </a:p>
+          <a:p>
+            <a:endParaRPr lang="en-US" dirty="0"/>
+          </a:p>
+          <a:p>
+            <a:endParaRPr lang="en-US" dirty="0"/>
+          </a:p>
+          <a:p>
+            <a:endParaRPr lang="en-US" dirty="0"/>
+          </a:p>
+        </p:txBody>
+      </p:sp>
+      <p:sp>
+        <p:nvSpPr>
+          <p:cNvPr id="4" name="Slide Number Placeholder 3">
+            <a:extLst>
+              <a:ext uri="{FF2B5EF4-FFF2-40B4-BE49-F238E27FC236}">
+                <a16:creationId xmlns:a16="http://schemas.microsoft.com/office/drawing/2014/main" id="{B0AC912D-58D5-441C-9C18-3AFD8CF0728C}"/>
+              </a:ext>
+            </a:extLst>
+          </p:cNvPr>
           <p:cNvSpPr>
             <a:spLocks noGrp="1"/>
           </p:cNvSpPr>
@@ -4943,10 +4934,40 @@
           </a:p>
         </p:txBody>
       </p:sp>
+      <p:pic>
+        <p:nvPicPr>
+          <p:cNvPr id="7" name="Picture 6">
+            <a:extLst>
+              <a:ext uri="{FF2B5EF4-FFF2-40B4-BE49-F238E27FC236}">
+                <a16:creationId xmlns:a16="http://schemas.microsoft.com/office/drawing/2014/main" id="{132101DF-5539-4F1D-AB67-2E8B323863EC}"/>
+              </a:ext>
+            </a:extLst>
+          </p:cNvPr>
+          <p:cNvPicPr>
+            <a:picLocks noChangeAspect="1"/>
+          </p:cNvPicPr>
+          <p:nvPr/>
+        </p:nvPicPr>
+        <p:blipFill>
+          <a:blip r:embed="rId4"/>
+          <a:stretch>
+            <a:fillRect/>
+          </a:stretch>
+        </p:blipFill>
+        <p:spPr>
+          <a:xfrm>
+            <a:off x="7206836" y="601629"/>
+            <a:ext cx="3451983" cy="4330421"/>
+          </a:xfrm>
+          <a:prstGeom prst="rect">
+            <a:avLst/>
+          </a:prstGeom>
+        </p:spPr>
+      </p:pic>
     </p:spTree>
     <p:extLst>
       <p:ext uri="{BB962C8B-B14F-4D97-AF65-F5344CB8AC3E}">
-        <p14:creationId xmlns:p14="http://schemas.microsoft.com/office/powerpoint/2010/main" val="2111641996"/>
+        <p14:creationId xmlns:p14="http://schemas.microsoft.com/office/powerpoint/2010/main" val="1114846306"/>
       </p:ext>
     </p:extLst>
   </p:cSld>
@@ -4978,7 +4999,7 @@
           <p:cNvPr id="2" name="Title 1">
             <a:extLst>
               <a:ext uri="{FF2B5EF4-FFF2-40B4-BE49-F238E27FC236}">
-                <a16:creationId xmlns:a16="http://schemas.microsoft.com/office/drawing/2014/main" id="{0BF9B829-010C-4D9D-A80E-8413420357A2}"/>
+                <a16:creationId xmlns:a16="http://schemas.microsoft.com/office/drawing/2014/main" id="{EB7748FC-930E-4648-9407-376BD2A212BA}"/>
               </a:ext>
             </a:extLst>
           </p:cNvPr>
@@ -4996,7 +5017,7 @@
           <a:p>
             <a:r>
               <a:rPr lang="en-US" dirty="0"/>
-              <a:t>Google Cloud Platform</a:t>
+              <a:t>Other Software</a:t>
             </a:r>
           </a:p>
         </p:txBody>
@@ -5006,7 +5027,7 @@
           <p:cNvPr id="3" name="Content Placeholder 2">
             <a:extLst>
               <a:ext uri="{FF2B5EF4-FFF2-40B4-BE49-F238E27FC236}">
-                <a16:creationId xmlns:a16="http://schemas.microsoft.com/office/drawing/2014/main" id="{4F035307-9C98-43AD-8E68-656FFC3D82D7}"/>
+                <a16:creationId xmlns:a16="http://schemas.microsoft.com/office/drawing/2014/main" id="{0066694C-4592-4870-B850-E421946E57A5}"/>
               </a:ext>
             </a:extLst>
           </p:cNvPr>
@@ -5019,119 +5040,143 @@
         </p:nvSpPr>
         <p:spPr/>
         <p:txBody>
-          <a:bodyPr>
-            <a:normAutofit lnSpcReduction="10000"/>
-          </a:bodyPr>
+          <a:bodyPr/>
           <a:lstStyle/>
           <a:p>
             <a:r>
               <a:rPr lang="en-US" dirty="0"/>
-              <a:t>All labs in this class can be run on either:</a:t>
-            </a:r>
-          </a:p>
-          <a:p>
-            <a:pPr lvl="1"/>
-            <a:r>
-              <a:rPr lang="en-US" dirty="0"/>
-              <a:t>Your own computer: Windows, MAC </a:t>
-            </a:r>
-          </a:p>
-          <a:p>
-            <a:pPr lvl="1"/>
-            <a:r>
-              <a:rPr lang="en-US" dirty="0"/>
-              <a:t>Google Cloud Platform (GCP)</a:t>
-            </a:r>
-          </a:p>
-          <a:p>
-            <a:r>
-              <a:rPr lang="en-US" dirty="0"/>
-              <a:t>GCP pros and cons:</a:t>
-            </a:r>
-          </a:p>
-          <a:p>
-            <a:pPr lvl="1"/>
-            <a:r>
-              <a:rPr lang="en-US" dirty="0"/>
-              <a:t>Access to powerful machines / large storage for projects.  </a:t>
-            </a:r>
-            <a:br>
-              <a:rPr lang="en-US" dirty="0"/>
-            </a:br>
-            <a:r>
-              <a:rPr lang="en-US" dirty="0"/>
-              <a:t>Includes GPUs</a:t>
-            </a:r>
-          </a:p>
-          <a:p>
-            <a:pPr lvl="1"/>
-            <a:r>
-              <a:rPr lang="en-US" dirty="0"/>
-              <a:t>Access to many services such as </a:t>
-            </a:r>
+              <a:t>On your machine (local or GCP), you will need to install several pieces of software:</a:t>
+            </a:r>
+          </a:p>
+          <a:p>
+            <a:r>
+              <a:rPr lang="en-US" dirty="0"/>
+              <a:t>Python with various packages</a:t>
+            </a:r>
+          </a:p>
+          <a:p>
+            <a:pPr lvl="1"/>
+            <a:r>
+              <a:rPr lang="en-US" dirty="0"/>
+              <a:t>Make sure you get 3.7</a:t>
+            </a:r>
+          </a:p>
+          <a:p>
+            <a:pPr lvl="1"/>
+            <a:r>
+              <a:rPr lang="en-US" dirty="0"/>
+              <a:t>Anaconda</a:t>
+            </a:r>
+          </a:p>
+          <a:p>
+            <a:pPr lvl="1"/>
             <a:r>
               <a:rPr lang="en-US" dirty="0" err="1"/>
-              <a:t>BigQuery</a:t>
-            </a:r>
-            <a:endParaRPr lang="en-US" dirty="0"/>
-          </a:p>
-          <a:p>
-            <a:pPr lvl="1"/>
-            <a:r>
-              <a:rPr lang="en-US" dirty="0"/>
-              <a:t>Can scale your computational resources</a:t>
-            </a:r>
-          </a:p>
-          <a:p>
-            <a:pPr lvl="1"/>
-            <a:r>
-              <a:rPr lang="en-US" dirty="0"/>
-              <a:t>But, somewhat harder to sync editors / debuggers</a:t>
-            </a:r>
-          </a:p>
-          <a:p>
-            <a:r>
-              <a:rPr lang="en-US" dirty="0"/>
-              <a:t>Getting started:  </a:t>
+              <a:t>Jupyter</a:t>
+            </a:r>
+            <a:r>
+              <a:rPr lang="en-US" dirty="0"/>
+              <a:t> notebook</a:t>
+            </a:r>
+          </a:p>
+          <a:p>
+            <a:pPr lvl="1"/>
+            <a:r>
+              <a:rPr lang="en-US" dirty="0"/>
+              <a:t>See notes in NYU Classes</a:t>
+            </a:r>
+          </a:p>
+          <a:p>
+            <a:r>
+              <a:rPr lang="en-US" dirty="0" err="1"/>
+              <a:t>Tensorflow</a:t>
+            </a:r>
+            <a:r>
+              <a:rPr lang="en-US" dirty="0"/>
+              <a:t> and </a:t>
+            </a:r>
+            <a:r>
+              <a:rPr lang="en-US" dirty="0" err="1"/>
+              <a:t>Keras</a:t>
+            </a:r>
+            <a:r>
+              <a:rPr lang="en-US" dirty="0"/>
+              <a:t> (needed only later in the class)</a:t>
+            </a:r>
+          </a:p>
+          <a:p>
+            <a:r>
+              <a:rPr lang="en-US" dirty="0"/>
+              <a:t>Git hub</a:t>
+            </a:r>
+          </a:p>
+          <a:p>
+            <a:pPr lvl="1"/>
+            <a:r>
+              <a:rPr lang="en-US" dirty="0"/>
+              <a:t>Guides:  </a:t>
             </a:r>
             <a:r>
               <a:rPr lang="en-US" dirty="0">
                 <a:hlinkClick r:id="rId2"/>
               </a:rPr>
-              <a:t>https://cloud.google.com/</a:t>
-            </a:r>
-            <a:endParaRPr lang="en-US" dirty="0"/>
-          </a:p>
-          <a:p>
-            <a:r>
-              <a:rPr lang="en-US" dirty="0"/>
-              <a:t>Instructions on </a:t>
-            </a:r>
-            <a:br>
-              <a:rPr lang="en-US" dirty="0"/>
-            </a:br>
+              <a:t>https://guides.github.com/</a:t>
+            </a:r>
+            <a:endParaRPr lang="en-US" dirty="0"/>
+          </a:p>
+          <a:p>
+            <a:pPr lvl="1"/>
+            <a:r>
+              <a:rPr lang="en-US" dirty="0"/>
+              <a:t>Available on Windows, Mac or Linux (including GCP instances)</a:t>
+            </a:r>
+          </a:p>
+          <a:p>
+            <a:pPr lvl="1"/>
+            <a:r>
+              <a:rPr lang="en-US" dirty="0"/>
+              <a:t>All demos will be available on:  </a:t>
+            </a:r>
             <a:r>
               <a:rPr lang="en-US" dirty="0">
                 <a:hlinkClick r:id="rId3"/>
               </a:rPr>
-              <a:t>https://github.com/sdrangan/introml/tree/master/GCP</a:t>
-            </a:r>
-            <a:br>
-              <a:rPr lang="en-US" dirty="0"/>
-            </a:br>
-            <a:endParaRPr lang="en-US" dirty="0"/>
-          </a:p>
-          <a:p>
-            <a:endParaRPr lang="en-US" dirty="0"/>
-          </a:p>
-          <a:p>
-            <a:endParaRPr lang="en-US" dirty="0"/>
-          </a:p>
-          <a:p>
-            <a:endParaRPr lang="en-US" dirty="0"/>
-          </a:p>
-          <a:p>
-            <a:endParaRPr lang="en-US" dirty="0"/>
+              <a:t>https://</a:t>
+            </a:r>
+            <a:r>
+              <a:rPr lang="en-US" dirty="0" err="1">
+                <a:hlinkClick r:id="rId3"/>
+              </a:rPr>
+              <a:t>github.com</a:t>
+            </a:r>
+            <a:r>
+              <a:rPr lang="en-US" dirty="0">
+                <a:hlinkClick r:id="rId3"/>
+              </a:rPr>
+              <a:t>/</a:t>
+            </a:r>
+            <a:r>
+              <a:rPr lang="en-US" dirty="0" err="1">
+                <a:hlinkClick r:id="rId3"/>
+              </a:rPr>
+              <a:t>pliugithub</a:t>
+            </a:r>
+            <a:r>
+              <a:rPr lang="en-US" dirty="0">
+                <a:hlinkClick r:id="rId3"/>
+              </a:rPr>
+              <a:t>/</a:t>
+            </a:r>
+            <a:r>
+              <a:rPr lang="en-US" dirty="0" err="1">
+                <a:hlinkClick r:id="rId3"/>
+              </a:rPr>
+              <a:t>MachineLearning</a:t>
+            </a:r>
+            <a:r>
+              <a:rPr lang="en-US" dirty="0"/>
+              <a:t> </a:t>
+            </a:r>
           </a:p>
         </p:txBody>
       </p:sp>
@@ -5140,7 +5185,7 @@
           <p:cNvPr id="4" name="Slide Number Placeholder 3">
             <a:extLst>
               <a:ext uri="{FF2B5EF4-FFF2-40B4-BE49-F238E27FC236}">
-                <a16:creationId xmlns:a16="http://schemas.microsoft.com/office/drawing/2014/main" id="{B0AC912D-58D5-441C-9C18-3AFD8CF0728C}"/>
+                <a16:creationId xmlns:a16="http://schemas.microsoft.com/office/drawing/2014/main" id="{C1DEE569-8231-499D-B648-FB66E2E94132}"/>
               </a:ext>
             </a:extLst>
           </p:cNvPr>
@@ -5164,40 +5209,10 @@
           </a:p>
         </p:txBody>
       </p:sp>
-      <p:pic>
-        <p:nvPicPr>
-          <p:cNvPr id="7" name="Picture 6">
-            <a:extLst>
-              <a:ext uri="{FF2B5EF4-FFF2-40B4-BE49-F238E27FC236}">
-                <a16:creationId xmlns:a16="http://schemas.microsoft.com/office/drawing/2014/main" id="{132101DF-5539-4F1D-AB67-2E8B323863EC}"/>
-              </a:ext>
-            </a:extLst>
-          </p:cNvPr>
-          <p:cNvPicPr>
-            <a:picLocks noChangeAspect="1"/>
-          </p:cNvPicPr>
-          <p:nvPr/>
-        </p:nvPicPr>
-        <p:blipFill>
-          <a:blip r:embed="rId4"/>
-          <a:stretch>
-            <a:fillRect/>
-          </a:stretch>
-        </p:blipFill>
-        <p:spPr>
-          <a:xfrm>
-            <a:off x="7182886" y="303993"/>
-            <a:ext cx="4791075" cy="6010275"/>
-          </a:xfrm>
-          <a:prstGeom prst="rect">
-            <a:avLst/>
-          </a:prstGeom>
-        </p:spPr>
-      </p:pic>
     </p:spTree>
     <p:extLst>
       <p:ext uri="{BB962C8B-B14F-4D97-AF65-F5344CB8AC3E}">
-        <p14:creationId xmlns:p14="http://schemas.microsoft.com/office/powerpoint/2010/main" val="1114846306"/>
+        <p14:creationId xmlns:p14="http://schemas.microsoft.com/office/powerpoint/2010/main" val="2787804305"/>
       </p:ext>
     </p:extLst>
   </p:cSld>
@@ -5226,13 +5241,7 @@
       </p:grpSpPr>
       <p:sp>
         <p:nvSpPr>
-          <p:cNvPr id="2" name="Title 1">
-            <a:extLst>
-              <a:ext uri="{FF2B5EF4-FFF2-40B4-BE49-F238E27FC236}">
-                <a16:creationId xmlns:a16="http://schemas.microsoft.com/office/drawing/2014/main" id="{EB7748FC-930E-4648-9407-376BD2A212BA}"/>
-              </a:ext>
-            </a:extLst>
-          </p:cNvPr>
+          <p:cNvPr id="2" name="Title 1"/>
           <p:cNvSpPr>
             <a:spLocks noGrp="1"/>
           </p:cNvSpPr>
@@ -5246,21 +5255,21 @@
           <a:lstStyle/>
           <a:p>
             <a:r>
-              <a:rPr lang="en-US" dirty="0"/>
-              <a:t>Other Software</a:t>
-            </a:r>
-          </a:p>
-        </p:txBody>
-      </p:sp>
-      <p:sp>
-        <p:nvSpPr>
-          <p:cNvPr id="3" name="Content Placeholder 2">
-            <a:extLst>
-              <a:ext uri="{FF2B5EF4-FFF2-40B4-BE49-F238E27FC236}">
-                <a16:creationId xmlns:a16="http://schemas.microsoft.com/office/drawing/2014/main" id="{0066694C-4592-4870-B850-E421946E57A5}"/>
-              </a:ext>
-            </a:extLst>
-          </p:cNvPr>
+              <a:rPr lang="en-US" dirty="0">
+                <a:solidFill>
+                  <a:schemeClr val="bg1">
+                    <a:lumMod val="75000"/>
+                  </a:schemeClr>
+                </a:solidFill>
+              </a:rPr>
+              <a:t>Grading:  Undergraduate</a:t>
+            </a:r>
+          </a:p>
+        </p:txBody>
+      </p:sp>
+      <p:sp>
+        <p:nvSpPr>
+          <p:cNvPr id="3" name="Content Placeholder 2"/>
           <p:cNvSpPr>
             <a:spLocks noGrp="1"/>
           </p:cNvSpPr>
@@ -5274,121 +5283,168 @@
           <a:lstStyle/>
           <a:p>
             <a:r>
-              <a:rPr lang="en-US" dirty="0"/>
-              <a:t>On your machine (local or GCP), you will need to install several pieces of software:</a:t>
-            </a:r>
-          </a:p>
-          <a:p>
-            <a:r>
-              <a:rPr lang="en-US" dirty="0"/>
-              <a:t>Python with various packages</a:t>
-            </a:r>
-          </a:p>
-          <a:p>
-            <a:pPr lvl="1"/>
-            <a:r>
-              <a:rPr lang="en-US" dirty="0"/>
-              <a:t>Make sure you get 3.7</a:t>
-            </a:r>
-          </a:p>
-          <a:p>
-            <a:pPr lvl="1"/>
-            <a:r>
-              <a:rPr lang="en-US" dirty="0"/>
-              <a:t>Anaconda</a:t>
-            </a:r>
-          </a:p>
-          <a:p>
-            <a:pPr lvl="1"/>
-            <a:r>
-              <a:rPr lang="en-US" dirty="0" err="1"/>
-              <a:t>Jupyter</a:t>
-            </a:r>
-            <a:r>
-              <a:rPr lang="en-US" dirty="0"/>
-              <a:t> notebook</a:t>
-            </a:r>
-          </a:p>
-          <a:p>
-            <a:pPr lvl="1"/>
-            <a:r>
-              <a:rPr lang="en-US" dirty="0"/>
-              <a:t>See notes in NYU Classes</a:t>
-            </a:r>
-          </a:p>
-          <a:p>
-            <a:r>
-              <a:rPr lang="en-US" dirty="0" err="1"/>
-              <a:t>Tensorflow</a:t>
-            </a:r>
-            <a:r>
-              <a:rPr lang="en-US" dirty="0"/>
-              <a:t> and </a:t>
-            </a:r>
-            <a:r>
-              <a:rPr lang="en-US" dirty="0" err="1"/>
-              <a:t>Keras</a:t>
-            </a:r>
-            <a:r>
-              <a:rPr lang="en-US" dirty="0"/>
-              <a:t> (needed only later in the class)</a:t>
-            </a:r>
-          </a:p>
-          <a:p>
-            <a:r>
-              <a:rPr lang="en-US" dirty="0"/>
-              <a:t>Git hub</a:t>
-            </a:r>
-          </a:p>
-          <a:p>
-            <a:pPr lvl="1"/>
-            <a:r>
-              <a:rPr lang="en-US" dirty="0"/>
-              <a:t>Guides:  </a:t>
-            </a:r>
-            <a:r>
               <a:rPr lang="en-US" dirty="0">
-                <a:hlinkClick r:id="rId2"/>
+                <a:solidFill>
+                  <a:schemeClr val="bg1">
+                    <a:lumMod val="75000"/>
+                  </a:schemeClr>
+                </a:solidFill>
               </a:rPr>
-              <a:t>https://guides.github.com/</a:t>
-            </a:r>
-            <a:endParaRPr lang="en-US" dirty="0"/>
-          </a:p>
-          <a:p>
-            <a:pPr lvl="1"/>
-            <a:r>
-              <a:rPr lang="en-US" dirty="0"/>
-              <a:t>Available on Windows, Mac or Linux (including GCP instances)</a:t>
-            </a:r>
-          </a:p>
-          <a:p>
-            <a:pPr lvl="1"/>
-            <a:r>
-              <a:rPr lang="en-US" dirty="0"/>
-              <a:t>All demos will be available on:  </a:t>
-            </a:r>
+              <a:t>Midterm 1:  25%, Midterm 2: 25%, Labs, HW: 25%, Final project: 25%</a:t>
+            </a:r>
+          </a:p>
+          <a:p>
             <a:r>
               <a:rPr lang="en-US" dirty="0">
-                <a:hlinkClick r:id="rId3"/>
+                <a:solidFill>
+                  <a:schemeClr val="bg1">
+                    <a:lumMod val="75000"/>
+                  </a:schemeClr>
+                </a:solidFill>
               </a:rPr>
-              <a:t>https://github.com/sdrangan/introml.git</a:t>
-            </a:r>
-            <a:r>
-              <a:rPr lang="en-US" dirty="0"/>
-              <a:t> </a:t>
-            </a:r>
-          </a:p>
-        </p:txBody>
-      </p:sp>
-      <p:sp>
-        <p:nvSpPr>
-          <p:cNvPr id="4" name="Slide Number Placeholder 3">
-            <a:extLst>
-              <a:ext uri="{FF2B5EF4-FFF2-40B4-BE49-F238E27FC236}">
-                <a16:creationId xmlns:a16="http://schemas.microsoft.com/office/drawing/2014/main" id="{C1DEE569-8231-499D-B648-FB66E2E94132}"/>
-              </a:ext>
-            </a:extLst>
-          </p:cNvPr>
+              <a:t>Labs:  Simple python exercises</a:t>
+            </a:r>
+          </a:p>
+          <a:p>
+            <a:pPr lvl="1"/>
+            <a:r>
+              <a:rPr lang="en-US" dirty="0">
+                <a:solidFill>
+                  <a:schemeClr val="bg1">
+                    <a:lumMod val="75000"/>
+                  </a:schemeClr>
+                </a:solidFill>
+              </a:rPr>
+              <a:t>Given as </a:t>
+            </a:r>
+            <a:r>
+              <a:rPr lang="en-US" dirty="0" err="1">
+                <a:solidFill>
+                  <a:schemeClr val="bg1">
+                    <a:lumMod val="75000"/>
+                  </a:schemeClr>
+                </a:solidFill>
+              </a:rPr>
+              <a:t>jupyter</a:t>
+            </a:r>
+            <a:r>
+              <a:rPr lang="en-US" dirty="0">
+                <a:solidFill>
+                  <a:schemeClr val="bg1">
+                    <a:lumMod val="75000"/>
+                  </a:schemeClr>
+                </a:solidFill>
+              </a:rPr>
+              <a:t> notebook that you complete.</a:t>
+            </a:r>
+          </a:p>
+          <a:p>
+            <a:r>
+              <a:rPr lang="en-US" dirty="0">
+                <a:solidFill>
+                  <a:schemeClr val="bg1">
+                    <a:lumMod val="75000"/>
+                  </a:schemeClr>
+                </a:solidFill>
+              </a:rPr>
+              <a:t>Midterms</a:t>
+            </a:r>
+          </a:p>
+          <a:p>
+            <a:pPr lvl="1"/>
+            <a:r>
+              <a:rPr lang="en-US" dirty="0">
+                <a:solidFill>
+                  <a:schemeClr val="bg1">
+                    <a:lumMod val="75000"/>
+                  </a:schemeClr>
+                </a:solidFill>
+              </a:rPr>
+              <a:t>Each over approx. 3-4 weeks of material</a:t>
+            </a:r>
+          </a:p>
+          <a:p>
+            <a:pPr lvl="1"/>
+            <a:r>
+              <a:rPr lang="en-US" dirty="0">
+                <a:solidFill>
+                  <a:schemeClr val="bg1">
+                    <a:lumMod val="75000"/>
+                  </a:schemeClr>
+                </a:solidFill>
+              </a:rPr>
+              <a:t>Closed book with cheat sheet.  </a:t>
+            </a:r>
+          </a:p>
+          <a:p>
+            <a:pPr lvl="1"/>
+            <a:r>
+              <a:rPr lang="en-US" dirty="0">
+                <a:solidFill>
+                  <a:schemeClr val="bg1">
+                    <a:lumMod val="75000"/>
+                  </a:schemeClr>
+                </a:solidFill>
+              </a:rPr>
+              <a:t>Follows homework and quiz problems + some very basic python questions</a:t>
+            </a:r>
+          </a:p>
+          <a:p>
+            <a:r>
+              <a:rPr lang="en-US" dirty="0">
+                <a:solidFill>
+                  <a:schemeClr val="bg1">
+                    <a:lumMod val="75000"/>
+                  </a:schemeClr>
+                </a:solidFill>
+              </a:rPr>
+              <a:t>Final project:  </a:t>
+            </a:r>
+          </a:p>
+          <a:p>
+            <a:pPr lvl="1"/>
+            <a:r>
+              <a:rPr lang="en-US" dirty="0">
+                <a:solidFill>
+                  <a:schemeClr val="bg1">
+                    <a:lumMod val="75000"/>
+                  </a:schemeClr>
+                </a:solidFill>
+              </a:rPr>
+              <a:t>Use machine learning in some interesting way.</a:t>
+            </a:r>
+          </a:p>
+          <a:p>
+            <a:pPr lvl="1"/>
+            <a:r>
+              <a:rPr lang="en-US" dirty="0">
+                <a:solidFill>
+                  <a:schemeClr val="bg1">
+                    <a:lumMod val="75000"/>
+                  </a:schemeClr>
+                </a:solidFill>
+              </a:rPr>
+              <a:t>Must use data and python analysis.</a:t>
+            </a:r>
+          </a:p>
+          <a:p>
+            <a:pPr lvl="1"/>
+            <a:r>
+              <a:rPr lang="en-US" dirty="0">
+                <a:solidFill>
+                  <a:schemeClr val="bg1">
+                    <a:lumMod val="75000"/>
+                  </a:schemeClr>
+                </a:solidFill>
+              </a:rPr>
+              <a:t>Provide final report.</a:t>
+            </a:r>
+          </a:p>
+        </p:txBody>
+      </p:sp>
+      <p:sp>
+        <p:nvSpPr>
+          <p:cNvPr id="4" name="Slide Number Placeholder 3"/>
           <p:cNvSpPr>
             <a:spLocks noGrp="1"/>
           </p:cNvSpPr>
@@ -5412,7 +5468,7 @@
     </p:spTree>
     <p:extLst>
       <p:ext uri="{BB962C8B-B14F-4D97-AF65-F5344CB8AC3E}">
-        <p14:creationId xmlns:p14="http://schemas.microsoft.com/office/powerpoint/2010/main" val="2787804305"/>
+        <p14:creationId xmlns:p14="http://schemas.microsoft.com/office/powerpoint/2010/main" val="2111641996"/>
       </p:ext>
     </p:extLst>
   </p:cSld>
@@ -5512,7 +5568,7 @@
             </a:r>
             <a:r>
               <a:rPr lang="en-US" dirty="0"/>
-              <a:t> Floor</a:t>
+              <a:t> Floor (Only available on Zoom during Spring 2021)</a:t>
             </a:r>
           </a:p>
           <a:p>

--- a/lectures/CourseAdmin.pptx
+++ b/lectures/CourseAdmin.pptx
@@ -222,7 +222,7 @@
           <a:p>
             <a:fld id="{B7D6DDD3-D7E9-488B-B626-1E8285E424D8}" type="datetimeFigureOut">
               <a:rPr lang="en-US" smtClean="0"/>
-              <a:t>12/8/20</a:t>
+              <a:t>1/31/21</a:t>
             </a:fld>
             <a:endParaRPr lang="en-US"/>
           </a:p>
@@ -4219,6 +4219,14 @@
             </a:r>
           </a:p>
           <a:p>
+            <a:pPr lvl="1"/>
+            <a:r>
+              <a:rPr lang="en-US" dirty="0" err="1"/>
+              <a:t>etc</a:t>
+            </a:r>
+            <a:endParaRPr lang="en-US" dirty="0"/>
+          </a:p>
+          <a:p>
             <a:r>
               <a:rPr lang="en-US" dirty="0"/>
               <a:t>Write code</a:t>
@@ -5585,15 +5593,18 @@
             <a:pPr lvl="1"/>
             <a:r>
               <a:rPr lang="en-US" dirty="0"/>
-              <a:t>TBD</a:t>
-            </a:r>
-            <a:endParaRPr lang="de-DE" dirty="0"/>
-          </a:p>
-          <a:p>
-            <a:pPr lvl="1"/>
+              <a:t>Ashutosh Srivastava</a:t>
+            </a:r>
+          </a:p>
+          <a:p>
+            <a:pPr lvl="1"/>
+            <a:r>
+              <a:rPr lang="de-DE" dirty="0" err="1"/>
+              <a:t>Ask</a:t>
+            </a:r>
             <a:r>
               <a:rPr lang="de-DE" dirty="0"/>
-              <a:t>Ask for all questions regarding homeworks and labs</a:t>
+              <a:t> for all questions regarding homeworks and labs</a:t>
             </a:r>
           </a:p>
           <a:p>
@@ -6866,14 +6877,7 @@
           <a:p>
             <a:r>
               <a:rPr lang="en-US" dirty="0"/>
-              <a:t>Midterm 35%, Final 35%, Labs / HW 30%</a:t>
-            </a:r>
-          </a:p>
-          <a:p>
-            <a:pPr lvl="1"/>
-            <a:r>
-              <a:rPr lang="en-US" dirty="0"/>
-              <a:t>Optional project:  Up to 20%</a:t>
+              <a:t>Midterm 30%, Final 30%, Labs, HW 20%, Project: 20%</a:t>
             </a:r>
           </a:p>
           <a:p>
@@ -6914,7 +6918,7 @@
             <a:pPr lvl="1"/>
             <a:r>
               <a:rPr lang="en-US" dirty="0"/>
-              <a:t>Open book but no electronic aids.</a:t>
+              <a:t>Close book and no electronic aids.</a:t>
             </a:r>
           </a:p>
           <a:p>
@@ -6927,7 +6931,7 @@
           <a:p>
             <a:r>
               <a:rPr lang="en-US" dirty="0"/>
-              <a:t>Optional final project:  </a:t>
+              <a:t>Final project:  </a:t>
             </a:r>
           </a:p>
           <a:p>

--- a/lectures/CourseAdmin.pptx
+++ b/lectures/CourseAdmin.pptx
@@ -222,7 +222,7 @@
           <a:p>
             <a:fld id="{B7D6DDD3-D7E9-488B-B626-1E8285E424D8}" type="datetimeFigureOut">
               <a:rPr lang="en-US" smtClean="0"/>
-              <a:t>1/31/21</a:t>
+              <a:t>9/8/21</a:t>
             </a:fld>
             <a:endParaRPr lang="en-US"/>
           </a:p>
@@ -4133,7 +4133,7 @@
         <p:spPr/>
         <p:txBody>
           <a:bodyPr>
-            <a:normAutofit lnSpcReduction="10000"/>
+            <a:normAutofit fontScale="92500" lnSpcReduction="20000"/>
           </a:bodyPr>
           <a:lstStyle/>
           <a:p>
@@ -5576,7 +5576,7 @@
             </a:r>
             <a:r>
               <a:rPr lang="en-US" dirty="0"/>
-              <a:t> Floor (Only available on Zoom during Spring 2021)</a:t>
+              <a:t> Floor (Only available on Zoom during Fall 2021)</a:t>
             </a:r>
           </a:p>
           <a:p>
@@ -5593,18 +5593,55 @@
             <a:pPr lvl="1"/>
             <a:r>
               <a:rPr lang="en-US" dirty="0"/>
-              <a:t>Ashutosh Srivastava</a:t>
-            </a:r>
-          </a:p>
-          <a:p>
-            <a:pPr lvl="1"/>
+              <a:t>Mustafa </a:t>
+            </a:r>
+            <a:r>
+              <a:rPr lang="en-US" dirty="0" err="1"/>
+              <a:t>Ozkoc</a:t>
+            </a:r>
+            <a:r>
+              <a:rPr lang="en-US" dirty="0"/>
+              <a:t>,</a:t>
+            </a:r>
+            <a:r>
+              <a:rPr lang="zh-CN" altLang="en-US" dirty="0"/>
+              <a:t> </a:t>
+            </a:r>
+            <a:r>
+              <a:rPr lang="en-US" altLang="zh-CN" dirty="0"/>
+              <a:t>mfo254@nyu.edu</a:t>
+            </a:r>
+            <a:endParaRPr lang="en-US" dirty="0"/>
+          </a:p>
+          <a:p>
+            <a:pPr lvl="1"/>
+            <a:r>
+              <a:rPr lang="de-DE" dirty="0"/>
+              <a:t>Host </a:t>
+            </a:r>
             <a:r>
               <a:rPr lang="de-DE" dirty="0" err="1"/>
-              <a:t>Ask</a:t>
+              <a:t>office</a:t>
             </a:r>
             <a:r>
               <a:rPr lang="de-DE" dirty="0"/>
-              <a:t> for all questions regarding homeworks and labs</a:t>
+              <a:t> </a:t>
+            </a:r>
+            <a:r>
+              <a:rPr lang="de-DE" dirty="0" err="1"/>
+              <a:t>hours</a:t>
+            </a:r>
+            <a:r>
+              <a:rPr lang="de-DE" dirty="0"/>
+              <a:t> </a:t>
+            </a:r>
+            <a:r>
+              <a:rPr lang="de-DE" dirty="0" err="1"/>
+              <a:t>regarding</a:t>
+            </a:r>
+            <a:r>
+              <a:rPr lang="de-DE" dirty="0"/>
+              <a:t> homeworks and labs</a:t>
             </a:r>
           </a:p>
           <a:p>
@@ -6538,6 +6575,20 @@
               <a:rPr lang="en-US" dirty="0"/>
               <a:t>Again, we will provide a brief review</a:t>
             </a:r>
+          </a:p>
+          <a:p>
+            <a:pPr lvl="1"/>
+            <a:r>
+              <a:rPr lang="en-US" dirty="0"/>
+              <a:t>A good review of linear algebra by 3Blue1Brown </a:t>
+            </a:r>
+            <a:r>
+              <a:rPr lang="en-US" dirty="0">
+                <a:hlinkClick r:id="rId2"/>
+              </a:rPr>
+              <a:t>https://youtube.com/playlist?list=PLZHQObOWTQDPD3MizzM2xVFitgF8hE_ab</a:t>
+            </a:r>
+            <a:endParaRPr lang="en-US" dirty="0"/>
           </a:p>
           <a:p>
             <a:r>

--- a/lectures/CourseAdmin.pptx
+++ b/lectures/CourseAdmin.pptx
@@ -222,7 +222,7 @@
           <a:p>
             <a:fld id="{B7D6DDD3-D7E9-488B-B626-1E8285E424D8}" type="datetimeFigureOut">
               <a:rPr lang="en-US" smtClean="0"/>
-              <a:t>9/8/21</a:t>
+              <a:t>9/9/21</a:t>
             </a:fld>
             <a:endParaRPr lang="en-US"/>
           </a:p>
@@ -4024,16 +4024,22 @@
         </p:nvSpPr>
         <p:spPr/>
         <p:txBody>
-          <a:bodyPr/>
+          <a:bodyPr>
+            <a:normAutofit/>
+          </a:bodyPr>
           <a:lstStyle/>
           <a:p>
             <a:r>
+              <a:rPr lang="en-US" dirty="0"/>
+              <a:t>EL-GY 6143/</a:t>
+            </a:r>
+            <a:r>
               <a:rPr lang="en-US"/>
-              <a:t>EL-GY </a:t>
-            </a:r>
-            <a:r>
-              <a:rPr lang="en-US" dirty="0"/>
-              <a:t>6143:  Introduction to machine learning</a:t>
+              <a:t>CS-GY 6923: Introduction </a:t>
+            </a:r>
+            <a:r>
+              <a:rPr lang="en-US" dirty="0"/>
+              <a:t>to machine learning</a:t>
             </a:r>
           </a:p>
           <a:p>

--- a/lectures/CourseAdmin.pptx
+++ b/lectures/CourseAdmin.pptx
@@ -222,7 +222,7 @@
           <a:p>
             <a:fld id="{B7D6DDD3-D7E9-488B-B626-1E8285E424D8}" type="datetimeFigureOut">
               <a:rPr lang="en-US" smtClean="0"/>
-              <a:t>9/9/21</a:t>
+              <a:t>1/12/22</a:t>
             </a:fld>
             <a:endParaRPr lang="en-US"/>
           </a:p>
@@ -4031,15 +4031,7 @@
           <a:p>
             <a:r>
               <a:rPr lang="en-US" dirty="0"/>
-              <a:t>EL-GY 6143/</a:t>
-            </a:r>
-            <a:r>
-              <a:rPr lang="en-US"/>
-              <a:t>CS-GY 6923: Introduction </a:t>
-            </a:r>
-            <a:r>
-              <a:rPr lang="en-US" dirty="0"/>
-              <a:t>to machine learning</a:t>
+              <a:t>EL-GY 6143/CS-GY 6923: Introduction to machine learning</a:t>
             </a:r>
           </a:p>
           <a:p>
@@ -5582,17 +5574,13 @@
             </a:r>
             <a:r>
               <a:rPr lang="en-US" dirty="0"/>
-              <a:t> Floor (Only available on Zoom during Fall 2021)</a:t>
-            </a:r>
-          </a:p>
-          <a:p>
-            <a:pPr lvl="1"/>
-            <a:endParaRPr lang="en-US" dirty="0"/>
+              <a:t> Floor</a:t>
+            </a:r>
           </a:p>
           <a:p>
             <a:r>
               <a:rPr lang="de-DE" dirty="0"/>
-              <a:t>Head TA:  </a:t>
+              <a:t>Lead TA:  </a:t>
             </a:r>
           </a:p>
           <a:p>
@@ -5639,11 +5627,19 @@
             </a:r>
             <a:r>
               <a:rPr lang="de-DE" dirty="0"/>
+              <a:t>, </a:t>
+            </a:r>
+            <a:r>
+              <a:rPr lang="de-DE" dirty="0" err="1"/>
+              <a:t>and</a:t>
+            </a:r>
+            <a:r>
+              <a:rPr lang="de-DE" dirty="0"/>
               <a:t> </a:t>
             </a:r>
             <a:r>
               <a:rPr lang="de-DE" dirty="0" err="1"/>
-              <a:t>regarding</a:t>
+              <a:t>re-grading</a:t>
             </a:r>
             <a:r>
               <a:rPr lang="de-DE" dirty="0"/>

--- a/lectures/CourseAdmin.pptx
+++ b/lectures/CourseAdmin.pptx
@@ -222,7 +222,7 @@
           <a:p>
             <a:fld id="{B7D6DDD3-D7E9-488B-B626-1E8285E424D8}" type="datetimeFigureOut">
               <a:rPr lang="en-US" smtClean="0"/>
-              <a:t>1/12/22</a:t>
+              <a:t>1/25/22</a:t>
             </a:fld>
             <a:endParaRPr lang="en-US"/>
           </a:p>
@@ -5643,8 +5643,209 @@
             </a:r>
             <a:r>
               <a:rPr lang="de-DE" dirty="0"/>
-              <a:t> homeworks and labs</a:t>
-            </a:r>
+              <a:t> homeworks </a:t>
+            </a:r>
+            <a:r>
+              <a:rPr lang="de-DE" dirty="0" err="1"/>
+              <a:t>and</a:t>
+            </a:r>
+            <a:r>
+              <a:rPr lang="de-DE" dirty="0"/>
+              <a:t> </a:t>
+            </a:r>
+            <a:r>
+              <a:rPr lang="de-DE" dirty="0" err="1"/>
+              <a:t>labs</a:t>
+            </a:r>
+            <a:endParaRPr lang="de-DE" dirty="0"/>
+          </a:p>
+          <a:p>
+            <a:pPr lvl="1"/>
+            <a:r>
+              <a:rPr lang="de-DE" dirty="0"/>
+              <a:t>Zoom link </a:t>
+            </a:r>
+            <a:r>
+              <a:rPr lang="de-DE" dirty="0" err="1"/>
+              <a:t>for</a:t>
+            </a:r>
+            <a:r>
+              <a:rPr lang="de-DE" dirty="0"/>
+              <a:t> </a:t>
+            </a:r>
+            <a:r>
+              <a:rPr lang="de-DE" dirty="0" err="1"/>
+              <a:t>office</a:t>
+            </a:r>
+            <a:r>
+              <a:rPr lang="de-DE" dirty="0"/>
+              <a:t> </a:t>
+            </a:r>
+            <a:r>
+              <a:rPr lang="de-DE" dirty="0" err="1"/>
+              <a:t>hours</a:t>
+            </a:r>
+            <a:r>
+              <a:rPr lang="de-DE" dirty="0"/>
+              <a:t> </a:t>
+            </a:r>
+            <a:r>
+              <a:rPr lang="de-DE" dirty="0" err="1"/>
+              <a:t>are</a:t>
+            </a:r>
+            <a:r>
+              <a:rPr lang="de-DE" dirty="0"/>
+              <a:t> </a:t>
+            </a:r>
+            <a:r>
+              <a:rPr lang="de-DE" dirty="0" err="1"/>
+              <a:t>posted</a:t>
+            </a:r>
+            <a:r>
+              <a:rPr lang="de-DE" dirty="0"/>
+              <a:t> on </a:t>
+            </a:r>
+            <a:r>
+              <a:rPr lang="de-DE" dirty="0" err="1"/>
+              <a:t>Brightspace</a:t>
+            </a:r>
+            <a:endParaRPr lang="de-DE" dirty="0"/>
+          </a:p>
+          <a:p>
+            <a:pPr lvl="1"/>
+            <a:r>
+              <a:rPr lang="de-DE" dirty="0" err="1"/>
+              <a:t>If</a:t>
+            </a:r>
+            <a:r>
+              <a:rPr lang="de-DE" dirty="0"/>
+              <a:t> </a:t>
+            </a:r>
+            <a:r>
+              <a:rPr lang="de-DE" dirty="0" err="1"/>
+              <a:t>you</a:t>
+            </a:r>
+            <a:r>
+              <a:rPr lang="de-DE" dirty="0"/>
+              <a:t> </a:t>
+            </a:r>
+            <a:r>
+              <a:rPr lang="de-DE" dirty="0" err="1"/>
+              <a:t>have</a:t>
+            </a:r>
+            <a:r>
+              <a:rPr lang="de-DE" dirty="0"/>
+              <a:t> </a:t>
+            </a:r>
+            <a:r>
+              <a:rPr lang="de-DE" dirty="0" err="1"/>
+              <a:t>questions</a:t>
+            </a:r>
+            <a:r>
+              <a:rPr lang="de-DE" dirty="0"/>
+              <a:t> </a:t>
+            </a:r>
+            <a:r>
+              <a:rPr lang="de-DE" dirty="0" err="1"/>
+              <a:t>with</a:t>
+            </a:r>
+            <a:r>
+              <a:rPr lang="de-DE" dirty="0"/>
+              <a:t> </a:t>
+            </a:r>
+            <a:r>
+              <a:rPr lang="de-DE" dirty="0" err="1"/>
+              <a:t>homework</a:t>
+            </a:r>
+            <a:r>
+              <a:rPr lang="de-DE" dirty="0"/>
+              <a:t>, </a:t>
+            </a:r>
+            <a:r>
+              <a:rPr lang="de-DE" dirty="0" err="1"/>
+              <a:t>it</a:t>
+            </a:r>
+            <a:r>
+              <a:rPr lang="de-DE" dirty="0"/>
+              <a:t> </a:t>
+            </a:r>
+            <a:r>
+              <a:rPr lang="de-DE" dirty="0" err="1"/>
+              <a:t>is</a:t>
+            </a:r>
+            <a:r>
+              <a:rPr lang="de-DE" dirty="0"/>
+              <a:t> </a:t>
+            </a:r>
+            <a:r>
+              <a:rPr lang="de-DE" dirty="0" err="1"/>
+              <a:t>better</a:t>
+            </a:r>
+            <a:r>
+              <a:rPr lang="de-DE" dirty="0"/>
+              <a:t> </a:t>
+            </a:r>
+            <a:r>
+              <a:rPr lang="de-DE" dirty="0" err="1"/>
+              <a:t>to</a:t>
+            </a:r>
+            <a:r>
+              <a:rPr lang="de-DE" dirty="0"/>
+              <a:t> </a:t>
+            </a:r>
+            <a:r>
+              <a:rPr lang="de-DE" dirty="0" err="1"/>
+              <a:t>talk</a:t>
+            </a:r>
+            <a:r>
+              <a:rPr lang="de-DE" dirty="0"/>
+              <a:t> </a:t>
+            </a:r>
+            <a:r>
+              <a:rPr lang="de-DE" dirty="0" err="1"/>
+              <a:t>with</a:t>
+            </a:r>
+            <a:r>
+              <a:rPr lang="de-DE" dirty="0"/>
+              <a:t> </a:t>
+            </a:r>
+            <a:r>
+              <a:rPr lang="de-DE" dirty="0" err="1"/>
+              <a:t>the</a:t>
+            </a:r>
+            <a:r>
+              <a:rPr lang="de-DE" dirty="0"/>
+              <a:t> TA </a:t>
+            </a:r>
+            <a:r>
+              <a:rPr lang="de-DE" dirty="0" err="1"/>
+              <a:t>during</a:t>
+            </a:r>
+            <a:r>
+              <a:rPr lang="de-DE" dirty="0"/>
+              <a:t> </a:t>
+            </a:r>
+            <a:r>
+              <a:rPr lang="de-DE" dirty="0" err="1"/>
+              <a:t>his</a:t>
+            </a:r>
+            <a:r>
+              <a:rPr lang="de-DE" dirty="0"/>
+              <a:t>/her </a:t>
+            </a:r>
+            <a:r>
+              <a:rPr lang="de-DE" dirty="0" err="1"/>
+              <a:t>office</a:t>
+            </a:r>
+            <a:r>
+              <a:rPr lang="de-DE" dirty="0"/>
+              <a:t> </a:t>
+            </a:r>
+            <a:r>
+              <a:rPr lang="de-DE"/>
+              <a:t>hours</a:t>
+            </a:r>
+            <a:endParaRPr lang="de-DE" dirty="0"/>
           </a:p>
           <a:p>
             <a:endParaRPr lang="de-DE" dirty="0"/>

--- a/lectures/CourseAdmin.pptx
+++ b/lectures/CourseAdmin.pptx
@@ -222,7 +222,7 @@
           <a:p>
             <a:fld id="{B7D6DDD3-D7E9-488B-B626-1E8285E424D8}" type="datetimeFigureOut">
               <a:rPr lang="en-US" smtClean="0"/>
-              <a:t>1/25/22</a:t>
+              <a:t>8/15/22</a:t>
             </a:fld>
             <a:endParaRPr lang="en-US"/>
           </a:p>
@@ -5587,15 +5587,7 @@
             <a:pPr lvl="1"/>
             <a:r>
               <a:rPr lang="en-US" dirty="0"/>
-              <a:t>Mustafa </a:t>
-            </a:r>
-            <a:r>
-              <a:rPr lang="en-US" dirty="0" err="1"/>
-              <a:t>Ozkoc</a:t>
-            </a:r>
-            <a:r>
-              <a:rPr lang="en-US" dirty="0"/>
-              <a:t>,</a:t>
+              <a:t>Ashutosh Srivastava,</a:t>
             </a:r>
             <a:r>
               <a:rPr lang="zh-CN" altLang="en-US" dirty="0"/>
@@ -5603,7 +5595,7 @@
             </a:r>
             <a:r>
               <a:rPr lang="en-US" altLang="zh-CN" dirty="0"/>
-              <a:t>mfo254@nyu.edu</a:t>
+              <a:t>as12738@nyu.edu</a:t>
             </a:r>
             <a:endParaRPr lang="en-US" dirty="0"/>
           </a:p>
@@ -5842,7 +5834,7 @@
               <a:t> </a:t>
             </a:r>
             <a:r>
-              <a:rPr lang="de-DE"/>
+              <a:rPr lang="de-DE" dirty="0" err="1"/>
               <a:t>hours</a:t>
             </a:r>
             <a:endParaRPr lang="de-DE" dirty="0"/>

--- a/lectures/CourseAdmin.pptx
+++ b/lectures/CourseAdmin.pptx
@@ -222,7 +222,7 @@
           <a:p>
             <a:fld id="{B7D6DDD3-D7E9-488B-B626-1E8285E424D8}" type="datetimeFigureOut">
               <a:rPr lang="en-US" smtClean="0"/>
-              <a:t>8/15/22</a:t>
+              <a:t>9/6/23</a:t>
             </a:fld>
             <a:endParaRPr lang="en-US"/>
           </a:p>
@@ -5064,8 +5064,13 @@
             <a:pPr lvl="1"/>
             <a:r>
               <a:rPr lang="en-US" dirty="0"/>
-              <a:t>Make sure you get 3.7</a:t>
-            </a:r>
+              <a:t>Make sure you </a:t>
+            </a:r>
+            <a:r>
+              <a:rPr lang="en-US"/>
+              <a:t>get 3.7 or later</a:t>
+            </a:r>
+            <a:endParaRPr lang="en-US" dirty="0"/>
           </a:p>
           <a:p>
             <a:pPr lvl="1"/>
@@ -5587,7 +5592,7 @@
             <a:pPr lvl="1"/>
             <a:r>
               <a:rPr lang="en-US" dirty="0"/>
-              <a:t>Ashutosh Srivastava,</a:t>
+              <a:t>TBD,</a:t>
             </a:r>
             <a:r>
               <a:rPr lang="zh-CN" altLang="en-US" dirty="0"/>
@@ -5595,7 +5600,7 @@
             </a:r>
             <a:r>
               <a:rPr lang="en-US" altLang="zh-CN" dirty="0"/>
-              <a:t>as12738@nyu.edu</a:t>
+              <a:t>@nyu.edu</a:t>
             </a:r>
             <a:endParaRPr lang="en-US" dirty="0"/>
           </a:p>
